--- a/Depression Tendency Prediction.pptx
+++ b/Depression Tendency Prediction.pptx
@@ -7942,7 +7942,7 @@
                 <a:cs typeface="Libre Baskerville"/>
                 <a:sym typeface="Libre Baskerville"/>
               </a:rPr>
-              <a:t>Presented by Juliana Silva</a:t>
+              <a:t>Presented by Duy Khanh</a:t>
             </a:r>
           </a:p>
         </p:txBody>
